--- a/Slide_Presentation.pptx
+++ b/Slide_Presentation.pptx
@@ -16,8 +16,8 @@
     <p:sldId id="262" r:id="rId4"/>
     <p:sldId id="263" r:id="rId5"/>
     <p:sldId id="264" r:id="rId6"/>
-    <p:sldId id="265" r:id="rId7"/>
-    <p:sldId id="266" r:id="rId8"/>
+    <p:sldId id="266" r:id="rId7"/>
+    <p:sldId id="265" r:id="rId8"/>
     <p:sldId id="275" r:id="rId9"/>
     <p:sldId id="271" r:id="rId10"/>
     <p:sldId id="267" r:id="rId11"/>
@@ -137,8 +137,8 @@
             <p14:sldId id="262"/>
             <p14:sldId id="263"/>
             <p14:sldId id="264"/>
+            <p14:sldId id="266"/>
             <p14:sldId id="265"/>
-            <p14:sldId id="266"/>
             <p14:sldId id="275"/>
             <p14:sldId id="271"/>
             <p14:sldId id="267"/>
@@ -1091,7 +1091,7 @@
           <a:p>
             <a:fld id="{59041DB8-B66F-4DC8-A96E-33677E0F90FF}" type="datetimeFigureOut">
               <a:rPr lang="en-US" smtClean="0"/>
-              <a:t>12/5/2021</a:t>
+              <a:t>12/7/2021</a:t>
             </a:fld>
             <a:endParaRPr lang="en-US" dirty="0"/>
           </a:p>
@@ -1256,7 +1256,7 @@
           <a:p>
             <a:fld id="{DEB49C4A-65AC-492D-9701-81B46C3AD0E4}" type="datetimeFigureOut">
               <a:rPr lang="en-US" smtClean="0"/>
-              <a:t>12/5/2021</a:t>
+              <a:t>12/7/2021</a:t>
             </a:fld>
             <a:endParaRPr lang="en-US" dirty="0"/>
           </a:p>
@@ -3748,7 +3748,7 @@
           <a:p>
             <a:fld id="{384A29A4-78C8-47AB-BA06-22CB45938951}" type="datetime1">
               <a:rPr lang="en-US" smtClean="0"/>
-              <a:t>12/5/2021</a:t>
+              <a:t>12/7/2021</a:t>
             </a:fld>
             <a:endParaRPr lang="en-US" dirty="0"/>
           </a:p>
@@ -3943,7 +3943,7 @@
           <a:p>
             <a:fld id="{E1ED4ACF-2D82-46F2-A8E9-23963AA34E86}" type="datetime1">
               <a:rPr lang="en-US" smtClean="0"/>
-              <a:t>12/5/2021</a:t>
+              <a:t>12/7/2021</a:t>
             </a:fld>
             <a:endParaRPr lang="en-US" dirty="0"/>
           </a:p>
@@ -4127,7 +4127,7 @@
           <a:p>
             <a:fld id="{AE374B5B-21A0-4192-BF4C-38187F1A68D8}" type="datetime1">
               <a:rPr lang="en-US" smtClean="0"/>
-              <a:t>12/5/2021</a:t>
+              <a:t>12/7/2021</a:t>
             </a:fld>
             <a:endParaRPr lang="en-US" dirty="0"/>
           </a:p>
@@ -6468,7 +6468,7 @@
           <a:p>
             <a:fld id="{33B5CF7C-B333-48E1-A4A6-83A3C8B73AC0}" type="datetime1">
               <a:rPr lang="en-US" smtClean="0"/>
-              <a:t>12/5/2021</a:t>
+              <a:t>12/7/2021</a:t>
             </a:fld>
             <a:endParaRPr lang="en-US" dirty="0"/>
           </a:p>
@@ -6921,7 +6921,7 @@
           <a:p>
             <a:fld id="{AE320762-5CBF-4210-AB54-376B091119F8}" type="datetime1">
               <a:rPr lang="en-US" smtClean="0"/>
-              <a:t>12/5/2021</a:t>
+              <a:t>12/7/2021</a:t>
             </a:fld>
             <a:endParaRPr lang="en-US" dirty="0"/>
           </a:p>
@@ -7053,7 +7053,7 @@
           <a:p>
             <a:fld id="{7F0DB371-BF5F-4058-A212-1A908E4D2674}" type="datetime1">
               <a:rPr lang="en-US" smtClean="0"/>
-              <a:t>12/5/2021</a:t>
+              <a:t>12/7/2021</a:t>
             </a:fld>
             <a:endParaRPr lang="en-US" dirty="0"/>
           </a:p>
@@ -8986,7 +8986,7 @@
           <a:p>
             <a:fld id="{60A4083B-90AA-48CF-BAD5-00AA24D7F288}" type="datetime1">
               <a:rPr lang="en-US" smtClean="0"/>
-              <a:t>12/5/2021</a:t>
+              <a:t>12/7/2021</a:t>
             </a:fld>
             <a:endParaRPr lang="en-US" dirty="0"/>
           </a:p>
@@ -11245,7 +11245,7 @@
             <a:fld id="{F5BAF629-ECA2-4CF3-B790-9D9BDED98269}" type="datetime1">
               <a:rPr lang="en-US" smtClean="0"/>
               <a:pPr/>
-              <a:t>12/5/2021</a:t>
+              <a:t>12/7/2021</a:t>
             </a:fld>
             <a:endParaRPr lang="en-US" dirty="0"/>
           </a:p>
@@ -15540,7 +15540,7 @@
             <a:fld id="{B51B2453-8663-4C69-AF73-9FD7B1DEC5D0}" type="datetime1">
               <a:rPr lang="en-US" smtClean="0"/>
               <a:pPr/>
-              <a:t>12/5/2021</a:t>
+              <a:t>12/7/2021</a:t>
             </a:fld>
             <a:endParaRPr lang="en-US" dirty="0"/>
           </a:p>
@@ -16305,7 +16305,7 @@
           <a:p>
             <a:r>
               <a:rPr lang="en-US" dirty="0"/>
-              <a:t>Power consumption</a:t>
+              <a:t>Average Power consumption</a:t>
             </a:r>
             <a:endParaRPr lang="en-CA" dirty="0"/>
           </a:p>
@@ -16350,13 +16350,13 @@
   <p:clrMapOvr>
     <a:masterClrMapping/>
   </p:clrMapOvr>
-  <mc:AlternateContent xmlns:mc="http://schemas.openxmlformats.org/markup-compatibility/2006">
-    <mc:Choice xmlns:p14="http://schemas.microsoft.com/office/powerpoint/2010/main" Requires="p14">
+  <mc:AlternateContent xmlns:mc="http://schemas.openxmlformats.org/markup-compatibility/2006" xmlns:p14="http://schemas.microsoft.com/office/powerpoint/2010/main">
+    <mc:Choice Requires="p14">
       <p:transition spd="med" p14:dur="700">
         <p:fade/>
       </p:transition>
     </mc:Choice>
-    <mc:Fallback>
+    <mc:Fallback xmlns="">
       <p:transition spd="med">
         <p:fade/>
       </p:transition>
@@ -16440,36 +16440,6 @@
           </a:xfrm>
         </p:spPr>
       </p:pic>
-      <p:sp>
-        <p:nvSpPr>
-          <p:cNvPr id="4" name="Content Placeholder 3">
-            <a:extLst>
-              <a:ext uri="{FF2B5EF4-FFF2-40B4-BE49-F238E27FC236}">
-                <a16:creationId xmlns:a16="http://schemas.microsoft.com/office/drawing/2014/main" id="{4335FDB6-2629-4162-887D-00A66DFCA3AD}"/>
-              </a:ext>
-            </a:extLst>
-          </p:cNvPr>
-          <p:cNvSpPr>
-            <a:spLocks noGrp="1"/>
-          </p:cNvSpPr>
-          <p:nvPr>
-            <p:ph sz="half" idx="2"/>
-          </p:nvPr>
-        </p:nvSpPr>
-        <p:spPr>
-          <a:xfrm>
-            <a:off x="7305675" y="2266949"/>
-            <a:ext cx="4572000" cy="3810001"/>
-          </a:xfrm>
-        </p:spPr>
-        <p:txBody>
-          <a:bodyPr/>
-          <a:lstStyle/>
-          <a:p>
-            <a:endParaRPr lang="en-CA" dirty="0"/>
-          </a:p>
-        </p:txBody>
-      </p:sp>
     </p:spTree>
     <p:extLst>
       <p:ext uri="{BB962C8B-B14F-4D97-AF65-F5344CB8AC3E}">
@@ -16480,11 +16450,11 @@
   <p:clrMapOvr>
     <a:masterClrMapping/>
   </p:clrMapOvr>
-  <mc:AlternateContent xmlns:mc="http://schemas.openxmlformats.org/markup-compatibility/2006">
-    <mc:Choice xmlns:p14="http://schemas.microsoft.com/office/powerpoint/2010/main" Requires="p14">
+  <mc:AlternateContent xmlns:mc="http://schemas.openxmlformats.org/markup-compatibility/2006" xmlns:p14="http://schemas.microsoft.com/office/powerpoint/2010/main">
+    <mc:Choice Requires="p14">
       <p:transition p14:dur="0"/>
     </mc:Choice>
-    <mc:Fallback>
+    <mc:Fallback xmlns="">
       <p:transition/>
     </mc:Fallback>
   </mc:AlternateContent>
@@ -16804,7 +16774,7 @@
           <a:p>
             <a:r>
               <a:rPr lang="en-CA" dirty="0"/>
-              <a:t>Very specific hardware requirement (as for now). </a:t>
+              <a:t>Very specific hardware requirement and limited community support (as for now). </a:t>
             </a:r>
           </a:p>
         </p:txBody>
@@ -17020,12 +16990,27 @@
           </a:p>
           <a:p>
             <a:r>
-              <a:rPr lang="en-US" dirty="0"/>
-              <a:t>Any similar technique used on current consumer products?</a:t>
+              <a:rPr lang="en-CA" dirty="0">
+                <a:effectLst/>
+                <a:latin typeface="Arial" panose="020B0604020202020204" pitchFamily="34" charset="0"/>
+                <a:ea typeface="Calibri" panose="020F0502020204030204" pitchFamily="34" charset="0"/>
+                <a:cs typeface="Arial" panose="020B0604020202020204" pitchFamily="34" charset="0"/>
+              </a:rPr>
+              <a:t>Is there any similar technique that is currently being used on consumer </a:t>
             </a:r>
-          </a:p>
-          <a:p>
-            <a:endParaRPr lang="en-CA" dirty="0"/>
+            <a:r>
+              <a:rPr lang="en-CA">
+                <a:effectLst/>
+                <a:latin typeface="Arial" panose="020B0604020202020204" pitchFamily="34" charset="0"/>
+                <a:ea typeface="Calibri" panose="020F0502020204030204" pitchFamily="34" charset="0"/>
+                <a:cs typeface="Arial" panose="020B0604020202020204" pitchFamily="34" charset="0"/>
+              </a:rPr>
+              <a:t>products?</a:t>
+            </a:r>
+            <a:endParaRPr lang="en-CA" dirty="0">
+              <a:latin typeface="Arial" panose="020B0604020202020204" pitchFamily="34" charset="0"/>
+              <a:cs typeface="Arial" panose="020B0604020202020204" pitchFamily="34" charset="0"/>
+            </a:endParaRPr>
           </a:p>
         </p:txBody>
       </p:sp>
@@ -17217,13 +17202,8 @@
           <a:p>
             <a:r>
               <a:rPr lang="en-US" dirty="0"/>
-              <a:t>Battery </a:t>
+              <a:t>Battery technology has plateaued </a:t>
             </a:r>
-            <a:r>
-              <a:rPr lang="en-US"/>
-              <a:t>technology has plateaued </a:t>
-            </a:r>
-            <a:endParaRPr lang="en-US" dirty="0"/>
           </a:p>
           <a:p>
             <a:r>
@@ -17593,7 +17573,7 @@
           <a:p>
             <a:r>
               <a:rPr lang="en-US" dirty="0"/>
-              <a:t>Running both FWK and sub kernel side by side.</a:t>
+              <a:t>Running both FWK (Typically Linux )  and lightweight sub kernel side by side.</a:t>
             </a:r>
           </a:p>
           <a:p>
@@ -17835,6 +17815,106 @@
 </file>
 
 <file path=ppt/slides/slide6.xml><?xml version="1.0" encoding="utf-8"?>
+<p:sld xmlns:a="http://schemas.openxmlformats.org/drawingml/2006/main" xmlns:r="http://schemas.openxmlformats.org/officeDocument/2006/relationships" xmlns:p="http://schemas.openxmlformats.org/presentationml/2006/main">
+  <p:cSld>
+    <p:spTree>
+      <p:nvGrpSpPr>
+        <p:cNvPr id="1" name=""/>
+        <p:cNvGrpSpPr/>
+        <p:nvPr/>
+      </p:nvGrpSpPr>
+      <p:grpSpPr>
+        <a:xfrm>
+          <a:off x="0" y="0"/>
+          <a:ext cx="0" cy="0"/>
+          <a:chOff x="0" y="0"/>
+          <a:chExt cx="0" cy="0"/>
+        </a:xfrm>
+      </p:grpSpPr>
+      <p:sp>
+        <p:nvSpPr>
+          <p:cNvPr id="2" name="Title 1">
+            <a:extLst>
+              <a:ext uri="{FF2B5EF4-FFF2-40B4-BE49-F238E27FC236}">
+                <a16:creationId xmlns:a16="http://schemas.microsoft.com/office/drawing/2014/main" id="{0DCD488D-3EBD-4B0B-BEA8-60F8251D73D9}"/>
+              </a:ext>
+            </a:extLst>
+          </p:cNvPr>
+          <p:cNvSpPr>
+            <a:spLocks noGrp="1"/>
+          </p:cNvSpPr>
+          <p:nvPr>
+            <p:ph type="title"/>
+          </p:nvPr>
+        </p:nvSpPr>
+        <p:spPr/>
+        <p:txBody>
+          <a:bodyPr/>
+          <a:lstStyle/>
+          <a:p>
+            <a:r>
+              <a:rPr lang="en-US" dirty="0"/>
+              <a:t>Full-weight vs Lightweight kernels</a:t>
+            </a:r>
+            <a:endParaRPr lang="en-CA" dirty="0"/>
+          </a:p>
+        </p:txBody>
+      </p:sp>
+      <p:pic>
+        <p:nvPicPr>
+          <p:cNvPr id="11" name="Content Placeholder 10" descr="Text&#10;&#10;Description automatically generated with low confidence">
+            <a:extLst>
+              <a:ext uri="{FF2B5EF4-FFF2-40B4-BE49-F238E27FC236}">
+                <a16:creationId xmlns:a16="http://schemas.microsoft.com/office/drawing/2014/main" id="{A7B4EE5D-E37B-4A4A-B62A-A568B1F90944}"/>
+              </a:ext>
+            </a:extLst>
+          </p:cNvPr>
+          <p:cNvPicPr>
+            <a:picLocks noGrp="1" noChangeAspect="1"/>
+          </p:cNvPicPr>
+          <p:nvPr>
+            <p:ph idx="1"/>
+          </p:nvPr>
+        </p:nvPicPr>
+        <p:blipFill>
+          <a:blip r:embed="rId2"/>
+          <a:stretch>
+            <a:fillRect/>
+          </a:stretch>
+        </p:blipFill>
+        <p:spPr>
+          <a:xfrm>
+            <a:off x="1295400" y="2328999"/>
+            <a:ext cx="9601200" cy="3114401"/>
+          </a:xfrm>
+        </p:spPr>
+      </p:pic>
+    </p:spTree>
+    <p:extLst>
+      <p:ext uri="{BB962C8B-B14F-4D97-AF65-F5344CB8AC3E}">
+        <p14:creationId xmlns:p14="http://schemas.microsoft.com/office/powerpoint/2010/main" val="1286761415"/>
+      </p:ext>
+    </p:extLst>
+  </p:cSld>
+  <p:clrMapOvr>
+    <a:masterClrMapping/>
+  </p:clrMapOvr>
+  <mc:AlternateContent xmlns:mc="http://schemas.openxmlformats.org/markup-compatibility/2006" xmlns:p14="http://schemas.microsoft.com/office/powerpoint/2010/main">
+    <mc:Choice Requires="p14">
+      <p:transition spd="med" p14:dur="700">
+        <p:fade/>
+      </p:transition>
+    </mc:Choice>
+    <mc:Fallback xmlns="">
+      <p:transition spd="med">
+        <p:fade/>
+      </p:transition>
+    </mc:Fallback>
+  </mc:AlternateContent>
+</p:sld>
+</file>
+
+<file path=ppt/slides/slide7.xml><?xml version="1.0" encoding="utf-8"?>
 <p:sld xmlns:a="http://schemas.openxmlformats.org/drawingml/2006/main" xmlns:r="http://schemas.openxmlformats.org/officeDocument/2006/relationships" xmlns:p="http://schemas.openxmlformats.org/presentationml/2006/main">
   <p:cSld>
     <p:spTree>
@@ -18166,9 +18246,10 @@
           </a:p>
           <a:p>
             <a:r>
-              <a:rPr lang="en-US" dirty="0"/>
-              <a:t>Specialized kernels for specialized purposes.</a:t>
+              <a:rPr lang="en-CA" dirty="0"/>
+              <a:t>Custom operating system compiled from source code with only necessary modules. </a:t>
             </a:r>
+            <a:endParaRPr lang="en-US" dirty="0"/>
           </a:p>
           <a:p>
             <a:r>
@@ -18182,106 +18263,6 @@
     <p:extLst>
       <p:ext uri="{BB962C8B-B14F-4D97-AF65-F5344CB8AC3E}">
         <p14:creationId xmlns:p14="http://schemas.microsoft.com/office/powerpoint/2010/main" val="146642339"/>
-      </p:ext>
-    </p:extLst>
-  </p:cSld>
-  <p:clrMapOvr>
-    <a:masterClrMapping/>
-  </p:clrMapOvr>
-  <mc:AlternateContent xmlns:mc="http://schemas.openxmlformats.org/markup-compatibility/2006" xmlns:p14="http://schemas.microsoft.com/office/powerpoint/2010/main">
-    <mc:Choice Requires="p14">
-      <p:transition spd="med" p14:dur="700">
-        <p:fade/>
-      </p:transition>
-    </mc:Choice>
-    <mc:Fallback xmlns="">
-      <p:transition spd="med">
-        <p:fade/>
-      </p:transition>
-    </mc:Fallback>
-  </mc:AlternateContent>
-</p:sld>
-</file>
-
-<file path=ppt/slides/slide7.xml><?xml version="1.0" encoding="utf-8"?>
-<p:sld xmlns:a="http://schemas.openxmlformats.org/drawingml/2006/main" xmlns:r="http://schemas.openxmlformats.org/officeDocument/2006/relationships" xmlns:p="http://schemas.openxmlformats.org/presentationml/2006/main">
-  <p:cSld>
-    <p:spTree>
-      <p:nvGrpSpPr>
-        <p:cNvPr id="1" name=""/>
-        <p:cNvGrpSpPr/>
-        <p:nvPr/>
-      </p:nvGrpSpPr>
-      <p:grpSpPr>
-        <a:xfrm>
-          <a:off x="0" y="0"/>
-          <a:ext cx="0" cy="0"/>
-          <a:chOff x="0" y="0"/>
-          <a:chExt cx="0" cy="0"/>
-        </a:xfrm>
-      </p:grpSpPr>
-      <p:sp>
-        <p:nvSpPr>
-          <p:cNvPr id="2" name="Title 1">
-            <a:extLst>
-              <a:ext uri="{FF2B5EF4-FFF2-40B4-BE49-F238E27FC236}">
-                <a16:creationId xmlns:a16="http://schemas.microsoft.com/office/drawing/2014/main" id="{0DCD488D-3EBD-4B0B-BEA8-60F8251D73D9}"/>
-              </a:ext>
-            </a:extLst>
-          </p:cNvPr>
-          <p:cNvSpPr>
-            <a:spLocks noGrp="1"/>
-          </p:cNvSpPr>
-          <p:nvPr>
-            <p:ph type="title"/>
-          </p:nvPr>
-        </p:nvSpPr>
-        <p:spPr/>
-        <p:txBody>
-          <a:bodyPr/>
-          <a:lstStyle/>
-          <a:p>
-            <a:r>
-              <a:rPr lang="en-US" dirty="0"/>
-              <a:t>Full-weight vs Lightweight kernels</a:t>
-            </a:r>
-            <a:endParaRPr lang="en-CA" dirty="0"/>
-          </a:p>
-        </p:txBody>
-      </p:sp>
-      <p:pic>
-        <p:nvPicPr>
-          <p:cNvPr id="11" name="Content Placeholder 10" descr="Text&#10;&#10;Description automatically generated with low confidence">
-            <a:extLst>
-              <a:ext uri="{FF2B5EF4-FFF2-40B4-BE49-F238E27FC236}">
-                <a16:creationId xmlns:a16="http://schemas.microsoft.com/office/drawing/2014/main" id="{A7B4EE5D-E37B-4A4A-B62A-A568B1F90944}"/>
-              </a:ext>
-            </a:extLst>
-          </p:cNvPr>
-          <p:cNvPicPr>
-            <a:picLocks noGrp="1" noChangeAspect="1"/>
-          </p:cNvPicPr>
-          <p:nvPr>
-            <p:ph idx="1"/>
-          </p:nvPr>
-        </p:nvPicPr>
-        <p:blipFill>
-          <a:blip r:embed="rId2"/>
-          <a:stretch>
-            <a:fillRect/>
-          </a:stretch>
-        </p:blipFill>
-        <p:spPr>
-          <a:xfrm>
-            <a:off x="1295400" y="2328999"/>
-            <a:ext cx="9601200" cy="3114401"/>
-          </a:xfrm>
-        </p:spPr>
-      </p:pic>
-    </p:spTree>
-    <p:extLst>
-      <p:ext uri="{BB962C8B-B14F-4D97-AF65-F5344CB8AC3E}">
-        <p14:creationId xmlns:p14="http://schemas.microsoft.com/office/powerpoint/2010/main" val="1286761415"/>
       </p:ext>
     </p:extLst>
   </p:cSld>
